--- a/A proof is a bridge.pptx
+++ b/A proof is a bridge.pptx
@@ -19,12 +19,13 @@
     <p:sldId id="270" r:id="rId13"/>
     <p:sldId id="271" r:id="rId14"/>
     <p:sldId id="278" r:id="rId15"/>
-    <p:sldId id="272" r:id="rId16"/>
-    <p:sldId id="276" r:id="rId17"/>
-    <p:sldId id="273" r:id="rId18"/>
-    <p:sldId id="263" r:id="rId19"/>
-    <p:sldId id="274" r:id="rId20"/>
-    <p:sldId id="277" r:id="rId21"/>
+    <p:sldId id="279" r:id="rId16"/>
+    <p:sldId id="272" r:id="rId17"/>
+    <p:sldId id="276" r:id="rId18"/>
+    <p:sldId id="273" r:id="rId19"/>
+    <p:sldId id="263" r:id="rId20"/>
+    <p:sldId id="274" r:id="rId21"/>
+    <p:sldId id="277" r:id="rId22"/>
   </p:sldIdLst>
   <p:sldSz cx="9144000" cy="6858000" type="screen4x3"/>
   <p:notesSz cx="6858000" cy="9144000"/>
@@ -307,7 +308,7 @@
           <a:p>
             <a:fld id="{A9C54ABD-1169-4230-ACAE-267156F7CC84}" type="datetimeFigureOut">
               <a:rPr lang="en-US" smtClean="0"/>
-              <a:t>12/15/2014</a:t>
+              <a:t>9/11/2015</a:t>
             </a:fld>
             <a:endParaRPr lang="en-US"/>
           </a:p>
@@ -472,7 +473,7 @@
           <a:p>
             <a:fld id="{A9C54ABD-1169-4230-ACAE-267156F7CC84}" type="datetimeFigureOut">
               <a:rPr lang="en-US" smtClean="0"/>
-              <a:t>12/15/2014</a:t>
+              <a:t>9/11/2015</a:t>
             </a:fld>
             <a:endParaRPr lang="en-US"/>
           </a:p>
@@ -647,7 +648,7 @@
           <a:p>
             <a:fld id="{A9C54ABD-1169-4230-ACAE-267156F7CC84}" type="datetimeFigureOut">
               <a:rPr lang="en-US" smtClean="0"/>
-              <a:t>12/15/2014</a:t>
+              <a:t>9/11/2015</a:t>
             </a:fld>
             <a:endParaRPr lang="en-US"/>
           </a:p>
@@ -812,7 +813,7 @@
           <a:p>
             <a:fld id="{A9C54ABD-1169-4230-ACAE-267156F7CC84}" type="datetimeFigureOut">
               <a:rPr lang="en-US" smtClean="0"/>
-              <a:t>12/15/2014</a:t>
+              <a:t>9/11/2015</a:t>
             </a:fld>
             <a:endParaRPr lang="en-US"/>
           </a:p>
@@ -1053,7 +1054,7 @@
           <a:p>
             <a:fld id="{A9C54ABD-1169-4230-ACAE-267156F7CC84}" type="datetimeFigureOut">
               <a:rPr lang="en-US" smtClean="0"/>
-              <a:t>12/15/2014</a:t>
+              <a:t>9/11/2015</a:t>
             </a:fld>
             <a:endParaRPr lang="en-US"/>
           </a:p>
@@ -1336,7 +1337,7 @@
           <a:p>
             <a:fld id="{A9C54ABD-1169-4230-ACAE-267156F7CC84}" type="datetimeFigureOut">
               <a:rPr lang="en-US" smtClean="0"/>
-              <a:t>12/15/2014</a:t>
+              <a:t>9/11/2015</a:t>
             </a:fld>
             <a:endParaRPr lang="en-US"/>
           </a:p>
@@ -1753,7 +1754,7 @@
           <a:p>
             <a:fld id="{A9C54ABD-1169-4230-ACAE-267156F7CC84}" type="datetimeFigureOut">
               <a:rPr lang="en-US" smtClean="0"/>
-              <a:t>12/15/2014</a:t>
+              <a:t>9/11/2015</a:t>
             </a:fld>
             <a:endParaRPr lang="en-US"/>
           </a:p>
@@ -1866,7 +1867,7 @@
           <a:p>
             <a:fld id="{A9C54ABD-1169-4230-ACAE-267156F7CC84}" type="datetimeFigureOut">
               <a:rPr lang="en-US" smtClean="0"/>
-              <a:t>12/15/2014</a:t>
+              <a:t>9/11/2015</a:t>
             </a:fld>
             <a:endParaRPr lang="en-US"/>
           </a:p>
@@ -1956,7 +1957,7 @@
           <a:p>
             <a:fld id="{A9C54ABD-1169-4230-ACAE-267156F7CC84}" type="datetimeFigureOut">
               <a:rPr lang="en-US" smtClean="0"/>
-              <a:t>12/15/2014</a:t>
+              <a:t>9/11/2015</a:t>
             </a:fld>
             <a:endParaRPr lang="en-US"/>
           </a:p>
@@ -2228,7 +2229,7 @@
           <a:p>
             <a:fld id="{A9C54ABD-1169-4230-ACAE-267156F7CC84}" type="datetimeFigureOut">
               <a:rPr lang="en-US" smtClean="0"/>
-              <a:t>12/15/2014</a:t>
+              <a:t>9/11/2015</a:t>
             </a:fld>
             <a:endParaRPr lang="en-US"/>
           </a:p>
@@ -2476,7 +2477,7 @@
           <a:p>
             <a:fld id="{A9C54ABD-1169-4230-ACAE-267156F7CC84}" type="datetimeFigureOut">
               <a:rPr lang="en-US" smtClean="0"/>
-              <a:t>12/15/2014</a:t>
+              <a:t>9/11/2015</a:t>
             </a:fld>
             <a:endParaRPr lang="en-US"/>
           </a:p>
@@ -2684,7 +2685,7 @@
           <a:p>
             <a:fld id="{A9C54ABD-1169-4230-ACAE-267156F7CC84}" type="datetimeFigureOut">
               <a:rPr lang="en-US" smtClean="0"/>
-              <a:t>12/15/2014</a:t>
+              <a:t>9/11/2015</a:t>
             </a:fld>
             <a:endParaRPr lang="en-US"/>
           </a:p>
@@ -3757,7 +3758,19 @@
           <a:p>
             <a:r>
               <a:rPr lang="en-US" dirty="0" smtClean="0"/>
-              <a:t>It takes time, work, and attention to detail to write a good proof</a:t>
+              <a:t>It takes time, work, and attention to detail to </a:t>
+            </a:r>
+            <a:r>
+              <a:rPr lang="en-US" dirty="0" smtClean="0"/>
+              <a:t>mak</a:t>
+            </a:r>
+            <a:r>
+              <a:rPr lang="en-US" dirty="0" smtClean="0"/>
+              <a:t>e </a:t>
+            </a:r>
+            <a:r>
+              <a:rPr lang="en-US" dirty="0" smtClean="0"/>
+              <a:t>a good proof</a:t>
             </a:r>
             <a:endParaRPr lang="en-US" dirty="0"/>
           </a:p>
@@ -3889,6 +3902,150 @@
           <a:p>
             <a:r>
               <a:rPr lang="en-US" dirty="0" smtClean="0"/>
+              <a:t>Sometimes your first attempt at a proof will not get you anywhere new</a:t>
+            </a:r>
+            <a:endParaRPr lang="en-US" dirty="0"/>
+          </a:p>
+        </p:txBody>
+      </p:sp>
+      <p:sp>
+        <p:nvSpPr>
+          <p:cNvPr id="3" name="Content Placeholder 2"/>
+          <p:cNvSpPr>
+            <a:spLocks noGrp="1"/>
+          </p:cNvSpPr>
+          <p:nvPr>
+            <p:ph idx="1"/>
+          </p:nvPr>
+        </p:nvSpPr>
+        <p:spPr/>
+        <p:txBody>
+          <a:bodyPr/>
+          <a:lstStyle/>
+          <a:p>
+            <a:endParaRPr lang="en-US" dirty="0"/>
+          </a:p>
+        </p:txBody>
+      </p:sp>
+      <p:pic>
+        <p:nvPicPr>
+          <p:cNvPr id="1026" name="Picture 2" descr="http://i.dailymail.co.uk/i/pix/2015/03/09/2660CB3E00000578-2986435-Overhang_The_cantilevered_platform_in_Chongqing_measures_27_metr-a-16_1425912217904.jpg"/>
+          <p:cNvPicPr>
+            <a:picLocks noChangeAspect="1" noChangeArrowheads="1"/>
+          </p:cNvPicPr>
+          <p:nvPr/>
+        </p:nvPicPr>
+        <p:blipFill>
+          <a:blip r:embed="rId2">
+            <a:extLst>
+              <a:ext uri="{28A0092B-C50C-407E-A947-70E740481C1C}">
+                <a14:useLocalDpi xmlns:a14="http://schemas.microsoft.com/office/drawing/2010/main" val="0"/>
+              </a:ext>
+            </a:extLst>
+          </a:blip>
+          <a:srcRect/>
+          <a:stretch>
+            <a:fillRect/>
+          </a:stretch>
+        </p:blipFill>
+        <p:spPr bwMode="auto">
+          <a:xfrm>
+            <a:off x="838200" y="1504237"/>
+            <a:ext cx="7575405" cy="4968899"/>
+          </a:xfrm>
+          <a:prstGeom prst="rect">
+            <a:avLst/>
+          </a:prstGeom>
+          <a:noFill/>
+          <a:extLst>
+            <a:ext uri="{909E8E84-426E-40DD-AFC4-6F175D3DCCD1}">
+              <a14:hiddenFill xmlns:a14="http://schemas.microsoft.com/office/drawing/2010/main">
+                <a:solidFill>
+                  <a:srgbClr val="FFFFFF"/>
+                </a:solidFill>
+              </a14:hiddenFill>
+            </a:ext>
+          </a:extLst>
+        </p:spPr>
+      </p:pic>
+      <p:sp>
+        <p:nvSpPr>
+          <p:cNvPr id="4" name="TextBox 3"/>
+          <p:cNvSpPr txBox="1"/>
+          <p:nvPr/>
+        </p:nvSpPr>
+        <p:spPr>
+          <a:xfrm>
+            <a:off x="289560" y="6479232"/>
+            <a:ext cx="8839200" cy="230832"/>
+          </a:xfrm>
+          <a:prstGeom prst="rect">
+            <a:avLst/>
+          </a:prstGeom>
+          <a:noFill/>
+        </p:spPr>
+        <p:txBody>
+          <a:bodyPr wrap="square" rtlCol="0">
+            <a:spAutoFit/>
+          </a:bodyPr>
+          <a:lstStyle/>
+          <a:p>
+            <a:r>
+              <a:rPr lang="en-US" sz="900" dirty="0"/>
+              <a:t>http://i.dailymail.co.uk/i/pix/2015/03/09/2660CB3E00000578-2986435-Overhang_The_cantilevered_platform_in_Chongqing_measures_27_metr-a-16_1425912217904.jpg</a:t>
+            </a:r>
+          </a:p>
+        </p:txBody>
+      </p:sp>
+    </p:spTree>
+    <p:extLst>
+      <p:ext uri="{BB962C8B-B14F-4D97-AF65-F5344CB8AC3E}">
+        <p14:creationId xmlns:p14="http://schemas.microsoft.com/office/powerpoint/2010/main" val="4290185175"/>
+      </p:ext>
+    </p:extLst>
+  </p:cSld>
+  <p:clrMapOvr>
+    <a:masterClrMapping/>
+  </p:clrMapOvr>
+</p:sld>
+</file>
+
+<file path=ppt/slides/slide16.xml><?xml version="1.0" encoding="utf-8"?>
+<p:sld xmlns:a="http://schemas.openxmlformats.org/drawingml/2006/main" xmlns:r="http://schemas.openxmlformats.org/officeDocument/2006/relationships" xmlns:p="http://schemas.openxmlformats.org/presentationml/2006/main">
+  <p:cSld>
+    <p:spTree>
+      <p:nvGrpSpPr>
+        <p:cNvPr id="1" name=""/>
+        <p:cNvGrpSpPr/>
+        <p:nvPr/>
+      </p:nvGrpSpPr>
+      <p:grpSpPr>
+        <a:xfrm>
+          <a:off x="0" y="0"/>
+          <a:ext cx="0" cy="0"/>
+          <a:chOff x="0" y="0"/>
+          <a:chExt cx="0" cy="0"/>
+        </a:xfrm>
+      </p:grpSpPr>
+      <p:sp>
+        <p:nvSpPr>
+          <p:cNvPr id="2" name="Title 1"/>
+          <p:cNvSpPr>
+            <a:spLocks noGrp="1"/>
+          </p:cNvSpPr>
+          <p:nvPr>
+            <p:ph type="title"/>
+          </p:nvPr>
+        </p:nvSpPr>
+        <p:spPr/>
+        <p:txBody>
+          <a:bodyPr>
+            <a:normAutofit fontScale="90000"/>
+          </a:bodyPr>
+          <a:lstStyle/>
+          <a:p>
+            <a:r>
+              <a:rPr lang="en-US" dirty="0" smtClean="0"/>
               <a:t>The ancient Greeks built bridges that are still standing today</a:t>
             </a:r>
             <a:endParaRPr lang="en-US" dirty="0"/>
@@ -3988,143 +4145,6 @@
     <p:extLst>
       <p:ext uri="{BB962C8B-B14F-4D97-AF65-F5344CB8AC3E}">
         <p14:creationId xmlns:p14="http://schemas.microsoft.com/office/powerpoint/2010/main" val="1542393718"/>
-      </p:ext>
-    </p:extLst>
-  </p:cSld>
-  <p:clrMapOvr>
-    <a:masterClrMapping/>
-  </p:clrMapOvr>
-  <p:timing>
-    <p:tnLst>
-      <p:par>
-        <p:cTn id="1" dur="indefinite" restart="never" nodeType="tmRoot"/>
-      </p:par>
-    </p:tnLst>
-  </p:timing>
-</p:sld>
-</file>
-
-<file path=ppt/slides/slide16.xml><?xml version="1.0" encoding="utf-8"?>
-<p:sld xmlns:a="http://schemas.openxmlformats.org/drawingml/2006/main" xmlns:r="http://schemas.openxmlformats.org/officeDocument/2006/relationships" xmlns:p="http://schemas.openxmlformats.org/presentationml/2006/main">
-  <p:cSld>
-    <p:spTree>
-      <p:nvGrpSpPr>
-        <p:cNvPr id="1" name=""/>
-        <p:cNvGrpSpPr/>
-        <p:nvPr/>
-      </p:nvGrpSpPr>
-      <p:grpSpPr>
-        <a:xfrm>
-          <a:off x="0" y="0"/>
-          <a:ext cx="0" cy="0"/>
-          <a:chOff x="0" y="0"/>
-          <a:chExt cx="0" cy="0"/>
-        </a:xfrm>
-      </p:grpSpPr>
-      <p:sp>
-        <p:nvSpPr>
-          <p:cNvPr id="2" name="Title 1"/>
-          <p:cNvSpPr>
-            <a:spLocks noGrp="1"/>
-          </p:cNvSpPr>
-          <p:nvPr>
-            <p:ph type="title"/>
-          </p:nvPr>
-        </p:nvSpPr>
-        <p:spPr>
-          <a:xfrm>
-            <a:off x="457200" y="274638"/>
-            <a:ext cx="8229600" cy="1782762"/>
-          </a:xfrm>
-        </p:spPr>
-        <p:txBody>
-          <a:bodyPr>
-            <a:normAutofit fontScale="90000"/>
-          </a:bodyPr>
-          <a:lstStyle/>
-          <a:p>
-            <a:r>
-              <a:rPr lang="en-US" dirty="0" smtClean="0"/>
-              <a:t>Sometimes we work on a proof like this:  start from each side and try to meet in the middle</a:t>
-            </a:r>
-            <a:endParaRPr lang="en-US" dirty="0"/>
-          </a:p>
-        </p:txBody>
-      </p:sp>
-      <p:pic>
-        <p:nvPicPr>
-          <p:cNvPr id="14338" name="Picture 2" descr="http://www.geoffs-trains.com/images/Copy_of_VF_bridge_construction.jpg"/>
-          <p:cNvPicPr>
-            <a:picLocks noChangeAspect="1" noChangeArrowheads="1"/>
-          </p:cNvPicPr>
-          <p:nvPr/>
-        </p:nvPicPr>
-        <p:blipFill>
-          <a:blip r:embed="rId2">
-            <a:extLst>
-              <a:ext uri="{28A0092B-C50C-407E-A947-70E740481C1C}">
-                <a14:useLocalDpi xmlns:a14="http://schemas.microsoft.com/office/drawing/2010/main" val="0"/>
-              </a:ext>
-            </a:extLst>
-          </a:blip>
-          <a:srcRect/>
-          <a:stretch>
-            <a:fillRect/>
-          </a:stretch>
-        </p:blipFill>
-        <p:spPr bwMode="auto">
-          <a:xfrm>
-            <a:off x="1143000" y="2163763"/>
-            <a:ext cx="6696075" cy="4152901"/>
-          </a:xfrm>
-          <a:prstGeom prst="rect">
-            <a:avLst/>
-          </a:prstGeom>
-          <a:noFill/>
-          <a:extLst>
-            <a:ext uri="{909E8E84-426E-40DD-AFC4-6F175D3DCCD1}">
-              <a14:hiddenFill xmlns:a14="http://schemas.microsoft.com/office/drawing/2010/main">
-                <a:solidFill>
-                  <a:srgbClr val="FFFFFF"/>
-                </a:solidFill>
-              </a14:hiddenFill>
-            </a:ext>
-          </a:extLst>
-        </p:spPr>
-      </p:pic>
-      <p:sp>
-        <p:nvSpPr>
-          <p:cNvPr id="4" name="TextBox 3"/>
-          <p:cNvSpPr txBox="1"/>
-          <p:nvPr/>
-        </p:nvSpPr>
-        <p:spPr>
-          <a:xfrm>
-            <a:off x="1295400" y="6477000"/>
-            <a:ext cx="6705600" cy="276999"/>
-          </a:xfrm>
-          <a:prstGeom prst="rect">
-            <a:avLst/>
-          </a:prstGeom>
-          <a:noFill/>
-        </p:spPr>
-        <p:txBody>
-          <a:bodyPr wrap="square" rtlCol="0">
-            <a:spAutoFit/>
-          </a:bodyPr>
-          <a:lstStyle/>
-          <a:p>
-            <a:r>
-              <a:rPr lang="en-US" sz="1200" dirty="0"/>
-              <a:t>http://www.geoffs-trains.com/Bridge/bridgeconstruction.html</a:t>
-            </a:r>
-          </a:p>
-        </p:txBody>
-      </p:sp>
-    </p:spTree>
-    <p:extLst>
-      <p:ext uri="{BB962C8B-B14F-4D97-AF65-F5344CB8AC3E}">
-        <p14:creationId xmlns:p14="http://schemas.microsoft.com/office/powerpoint/2010/main" val="3314223308"/>
       </p:ext>
     </p:extLst>
   </p:cSld>
@@ -4168,47 +4188,29 @@
             <p:ph type="title"/>
           </p:nvPr>
         </p:nvSpPr>
-        <p:spPr/>
+        <p:spPr>
+          <a:xfrm>
+            <a:off x="457200" y="274638"/>
+            <a:ext cx="8229600" cy="1782762"/>
+          </a:xfrm>
+        </p:spPr>
         <p:txBody>
           <a:bodyPr>
-            <a:normAutofit/>
+            <a:normAutofit fontScale="90000"/>
           </a:bodyPr>
           <a:lstStyle/>
           <a:p>
             <a:r>
-              <a:rPr lang="en-US" dirty="0"/>
-              <a:t>Bridges come in many styles </a:t>
-            </a:r>
-            <a:r>
               <a:rPr lang="en-US" dirty="0" smtClean="0"/>
-              <a:t>…</a:t>
-            </a:r>
-            <a:endParaRPr lang="en-US" dirty="0"/>
-          </a:p>
-        </p:txBody>
-      </p:sp>
-      <p:sp>
-        <p:nvSpPr>
-          <p:cNvPr id="3" name="Content Placeholder 2"/>
-          <p:cNvSpPr>
-            <a:spLocks noGrp="1"/>
-          </p:cNvSpPr>
-          <p:nvPr>
-            <p:ph idx="1"/>
-          </p:nvPr>
-        </p:nvSpPr>
-        <p:spPr/>
-        <p:txBody>
-          <a:bodyPr/>
-          <a:lstStyle/>
-          <a:p>
+              <a:t>Sometimes we work on a proof like this:  start from each side and try to meet in the middle</a:t>
+            </a:r>
             <a:endParaRPr lang="en-US" dirty="0"/>
           </a:p>
         </p:txBody>
       </p:sp>
       <p:pic>
         <p:nvPicPr>
-          <p:cNvPr id="11266" name="Picture 2" descr="http://thelinkbetween.files.wordpress.com/2011/02/rainbowbridge.jpg?w=300&amp;h=225"/>
+          <p:cNvPr id="14338" name="Picture 2" descr="http://www.geoffs-trains.com/images/Copy_of_VF_bridge_construction.jpg"/>
           <p:cNvPicPr>
             <a:picLocks noChangeAspect="1" noChangeArrowheads="1"/>
           </p:cNvPicPr>
@@ -4229,8 +4231,8 @@
         </p:blipFill>
         <p:spPr bwMode="auto">
           <a:xfrm>
-            <a:off x="971550" y="1600200"/>
-            <a:ext cx="2857500" cy="2143125"/>
+            <a:off x="1143000" y="2163763"/>
+            <a:ext cx="6696075" cy="4152901"/>
           </a:xfrm>
           <a:prstGeom prst="rect">
             <a:avLst/>
@@ -4255,8 +4257,8 @@
         </p:nvSpPr>
         <p:spPr>
           <a:xfrm>
-            <a:off x="457200" y="3962400"/>
-            <a:ext cx="2857500" cy="400110"/>
+            <a:off x="1295400" y="6477000"/>
+            <a:ext cx="6705600" cy="276999"/>
           </a:xfrm>
           <a:prstGeom prst="rect">
             <a:avLst/>
@@ -4270,218 +4272,8 @@
           <a:lstStyle/>
           <a:p>
             <a:r>
-              <a:rPr lang="en-US" sz="1000" dirty="0"/>
-              <a:t>http://thelinkbetween.wordpress.com/2011/02/16/bridge-building/</a:t>
-            </a:r>
-          </a:p>
-        </p:txBody>
-      </p:sp>
-      <p:pic>
-        <p:nvPicPr>
-          <p:cNvPr id="11268" name="Picture 4" descr="Hell Gate Bridge/New York Connecting Railroad Bridge"/>
-          <p:cNvPicPr>
-            <a:picLocks noChangeAspect="1" noChangeArrowheads="1"/>
-          </p:cNvPicPr>
-          <p:nvPr/>
-        </p:nvPicPr>
-        <p:blipFill>
-          <a:blip r:embed="rId3">
-            <a:extLst>
-              <a:ext uri="{28A0092B-C50C-407E-A947-70E740481C1C}">
-                <a14:useLocalDpi xmlns:a14="http://schemas.microsoft.com/office/drawing/2010/main" val="0"/>
-              </a:ext>
-            </a:extLst>
-          </a:blip>
-          <a:srcRect/>
-          <a:stretch>
-            <a:fillRect/>
-          </a:stretch>
-        </p:blipFill>
-        <p:spPr bwMode="auto">
-          <a:xfrm>
-            <a:off x="5181600" y="1603022"/>
-            <a:ext cx="3048000" cy="2286001"/>
-          </a:xfrm>
-          <a:prstGeom prst="rect">
-            <a:avLst/>
-          </a:prstGeom>
-          <a:noFill/>
-          <a:extLst>
-            <a:ext uri="{909E8E84-426E-40DD-AFC4-6F175D3DCCD1}">
-              <a14:hiddenFill xmlns:a14="http://schemas.microsoft.com/office/drawing/2010/main">
-                <a:solidFill>
-                  <a:srgbClr val="FFFFFF"/>
-                </a:solidFill>
-              </a14:hiddenFill>
-            </a:ext>
-          </a:extLst>
-        </p:spPr>
-      </p:pic>
-      <p:sp>
-        <p:nvSpPr>
-          <p:cNvPr id="5" name="TextBox 4"/>
-          <p:cNvSpPr txBox="1"/>
-          <p:nvPr/>
-        </p:nvSpPr>
-        <p:spPr>
-          <a:xfrm>
-            <a:off x="5655733" y="3916234"/>
-            <a:ext cx="3048000" cy="246221"/>
-          </a:xfrm>
-          <a:prstGeom prst="rect">
-            <a:avLst/>
-          </a:prstGeom>
-          <a:noFill/>
-        </p:spPr>
-        <p:txBody>
-          <a:bodyPr wrap="square" rtlCol="0">
-            <a:spAutoFit/>
-          </a:bodyPr>
-          <a:lstStyle/>
-          <a:p>
-            <a:r>
-              <a:rPr lang="en-US" sz="1000" dirty="0"/>
-              <a:t>http://wirednewyork.com/bridges/hell_gate_bridge/</a:t>
-            </a:r>
-          </a:p>
-        </p:txBody>
-      </p:sp>
-      <p:pic>
-        <p:nvPicPr>
-          <p:cNvPr id="11270" name="Picture 6" descr="The Bridge HD Wallpaper"/>
-          <p:cNvPicPr>
-            <a:picLocks noChangeAspect="1" noChangeArrowheads="1"/>
-          </p:cNvPicPr>
-          <p:nvPr/>
-        </p:nvPicPr>
-        <p:blipFill>
-          <a:blip r:embed="rId4">
-            <a:extLst>
-              <a:ext uri="{28A0092B-C50C-407E-A947-70E740481C1C}">
-                <a14:useLocalDpi xmlns:a14="http://schemas.microsoft.com/office/drawing/2010/main" val="0"/>
-              </a:ext>
-            </a:extLst>
-          </a:blip>
-          <a:srcRect/>
-          <a:stretch>
-            <a:fillRect/>
-          </a:stretch>
-        </p:blipFill>
-        <p:spPr bwMode="auto">
-          <a:xfrm>
-            <a:off x="846667" y="4362510"/>
-            <a:ext cx="3505200" cy="1973580"/>
-          </a:xfrm>
-          <a:prstGeom prst="rect">
-            <a:avLst/>
-          </a:prstGeom>
-          <a:noFill/>
-          <a:extLst>
-            <a:ext uri="{909E8E84-426E-40DD-AFC4-6F175D3DCCD1}">
-              <a14:hiddenFill xmlns:a14="http://schemas.microsoft.com/office/drawing/2010/main">
-                <a:solidFill>
-                  <a:srgbClr val="FFFFFF"/>
-                </a:solidFill>
-              </a14:hiddenFill>
-            </a:ext>
-          </a:extLst>
-        </p:spPr>
-      </p:pic>
-      <p:sp>
-        <p:nvSpPr>
-          <p:cNvPr id="6" name="TextBox 5"/>
-          <p:cNvSpPr txBox="1"/>
-          <p:nvPr/>
-        </p:nvSpPr>
-        <p:spPr>
-          <a:xfrm>
-            <a:off x="457200" y="6553200"/>
-            <a:ext cx="3886200" cy="246221"/>
-          </a:xfrm>
-          <a:prstGeom prst="rect">
-            <a:avLst/>
-          </a:prstGeom>
-          <a:noFill/>
-        </p:spPr>
-        <p:txBody>
-          <a:bodyPr wrap="square" rtlCol="0">
-            <a:spAutoFit/>
-          </a:bodyPr>
-          <a:lstStyle/>
-          <a:p>
-            <a:r>
-              <a:rPr lang="en-US" sz="1000" dirty="0"/>
-              <a:t>http://www.themebin.com/hd-wallpapers/bridge-hd-wallpaper-5/</a:t>
-            </a:r>
-          </a:p>
-        </p:txBody>
-      </p:sp>
-      <p:pic>
-        <p:nvPicPr>
-          <p:cNvPr id="11272" name="Picture 8" descr="File:Gaoliang Bridge.JPG"/>
-          <p:cNvPicPr>
-            <a:picLocks noChangeAspect="1" noChangeArrowheads="1"/>
-          </p:cNvPicPr>
-          <p:nvPr/>
-        </p:nvPicPr>
-        <p:blipFill>
-          <a:blip r:embed="rId5" cstate="print">
-            <a:extLst>
-              <a:ext uri="{28A0092B-C50C-407E-A947-70E740481C1C}">
-                <a14:useLocalDpi xmlns:a14="http://schemas.microsoft.com/office/drawing/2010/main" val="0"/>
-              </a:ext>
-            </a:extLst>
-          </a:blip>
-          <a:srcRect/>
-          <a:stretch>
-            <a:fillRect/>
-          </a:stretch>
-        </p:blipFill>
-        <p:spPr bwMode="auto">
-          <a:xfrm>
-            <a:off x="5105400" y="4179388"/>
-            <a:ext cx="2988733" cy="2241550"/>
-          </a:xfrm>
-          <a:prstGeom prst="rect">
-            <a:avLst/>
-          </a:prstGeom>
-          <a:noFill/>
-          <a:extLst>
-            <a:ext uri="{909E8E84-426E-40DD-AFC4-6F175D3DCCD1}">
-              <a14:hiddenFill xmlns:a14="http://schemas.microsoft.com/office/drawing/2010/main">
-                <a:solidFill>
-                  <a:srgbClr val="FFFFFF"/>
-                </a:solidFill>
-              </a14:hiddenFill>
-            </a:ext>
-          </a:extLst>
-        </p:spPr>
-      </p:pic>
-      <p:sp>
-        <p:nvSpPr>
-          <p:cNvPr id="7" name="TextBox 6"/>
-          <p:cNvSpPr txBox="1"/>
-          <p:nvPr/>
-        </p:nvSpPr>
-        <p:spPr>
-          <a:xfrm>
-            <a:off x="5562600" y="6553200"/>
-            <a:ext cx="3352800" cy="246221"/>
-          </a:xfrm>
-          <a:prstGeom prst="rect">
-            <a:avLst/>
-          </a:prstGeom>
-          <a:noFill/>
-        </p:spPr>
-        <p:txBody>
-          <a:bodyPr wrap="square" rtlCol="0">
-            <a:spAutoFit/>
-          </a:bodyPr>
-          <a:lstStyle/>
-          <a:p>
-            <a:r>
-              <a:rPr lang="en-US" sz="1000" dirty="0"/>
-              <a:t>http://en.wikipedia.org/wiki/File:Gaoliang_Bridge.JPG</a:t>
+              <a:rPr lang="en-US" sz="1200" dirty="0"/>
+              <a:t>http://www.geoffs-trains.com/Bridge/bridgeconstruction.html</a:t>
             </a:r>
           </a:p>
         </p:txBody>
@@ -4489,7 +4281,7 @@
     </p:spTree>
     <p:extLst>
       <p:ext uri="{BB962C8B-B14F-4D97-AF65-F5344CB8AC3E}">
-        <p14:creationId xmlns:p14="http://schemas.microsoft.com/office/powerpoint/2010/main" val="3398385632"/>
+        <p14:creationId xmlns:p14="http://schemas.microsoft.com/office/powerpoint/2010/main" val="3314223308"/>
       </p:ext>
     </p:extLst>
   </p:cSld>
@@ -4535,21 +4327,20 @@
         </p:nvSpPr>
         <p:spPr/>
         <p:txBody>
-          <a:bodyPr/>
+          <a:bodyPr>
+            <a:normAutofit/>
+          </a:bodyPr>
           <a:lstStyle/>
           <a:p>
             <a:r>
               <a:rPr lang="en-US" dirty="0"/>
-              <a:t>… </a:t>
+              <a:t>Bridges come in many styles </a:t>
             </a:r>
             <a:r>
               <a:rPr lang="en-US" dirty="0" smtClean="0"/>
-              <a:t>and so do </a:t>
-            </a:r>
-            <a:r>
-              <a:rPr lang="en-US" dirty="0"/>
-              <a:t>proofs</a:t>
-            </a:r>
+              <a:t>…</a:t>
+            </a:r>
+            <a:endParaRPr lang="en-US" dirty="0"/>
           </a:p>
         </p:txBody>
       </p:sp>
@@ -4574,14 +4365,20 @@
       </p:sp>
       <p:pic>
         <p:nvPicPr>
-          <p:cNvPr id="1026" name="Picture 2" descr="http://a.abcnews.com/images/Technology/songdo-bridge_080528_ssh.jpg"/>
+          <p:cNvPr id="11266" name="Picture 2" descr="http://thelinkbetween.files.wordpress.com/2011/02/rainbowbridge.jpg?w=300&amp;h=225"/>
           <p:cNvPicPr>
             <a:picLocks noChangeAspect="1" noChangeArrowheads="1"/>
           </p:cNvPicPr>
           <p:nvPr/>
         </p:nvPicPr>
         <p:blipFill>
-          <a:blip r:embed="rId2" cstate="print"/>
+          <a:blip r:embed="rId2">
+            <a:extLst>
+              <a:ext uri="{28A0092B-C50C-407E-A947-70E740481C1C}">
+                <a14:useLocalDpi xmlns:a14="http://schemas.microsoft.com/office/drawing/2010/main" val="0"/>
+              </a:ext>
+            </a:extLst>
+          </a:blip>
           <a:srcRect/>
           <a:stretch>
             <a:fillRect/>
@@ -4589,16 +4386,269 @@
         </p:blipFill>
         <p:spPr bwMode="auto">
           <a:xfrm>
-            <a:off x="1981200" y="2057400"/>
-            <a:ext cx="5057775" cy="3581400"/>
+            <a:off x="971550" y="1600200"/>
+            <a:ext cx="2857500" cy="2143125"/>
           </a:xfrm>
           <a:prstGeom prst="rect">
             <a:avLst/>
           </a:prstGeom>
           <a:noFill/>
+          <a:extLst>
+            <a:ext uri="{909E8E84-426E-40DD-AFC4-6F175D3DCCD1}">
+              <a14:hiddenFill xmlns:a14="http://schemas.microsoft.com/office/drawing/2010/main">
+                <a:solidFill>
+                  <a:srgbClr val="FFFFFF"/>
+                </a:solidFill>
+              </a14:hiddenFill>
+            </a:ext>
+          </a:extLst>
         </p:spPr>
       </p:pic>
+      <p:sp>
+        <p:nvSpPr>
+          <p:cNvPr id="4" name="TextBox 3"/>
+          <p:cNvSpPr txBox="1"/>
+          <p:nvPr/>
+        </p:nvSpPr>
+        <p:spPr>
+          <a:xfrm>
+            <a:off x="457200" y="3962400"/>
+            <a:ext cx="2857500" cy="400110"/>
+          </a:xfrm>
+          <a:prstGeom prst="rect">
+            <a:avLst/>
+          </a:prstGeom>
+          <a:noFill/>
+        </p:spPr>
+        <p:txBody>
+          <a:bodyPr wrap="square" rtlCol="0">
+            <a:spAutoFit/>
+          </a:bodyPr>
+          <a:lstStyle/>
+          <a:p>
+            <a:r>
+              <a:rPr lang="en-US" sz="1000" dirty="0"/>
+              <a:t>http://thelinkbetween.wordpress.com/2011/02/16/bridge-building/</a:t>
+            </a:r>
+          </a:p>
+        </p:txBody>
+      </p:sp>
+      <p:pic>
+        <p:nvPicPr>
+          <p:cNvPr id="11268" name="Picture 4" descr="Hell Gate Bridge/New York Connecting Railroad Bridge"/>
+          <p:cNvPicPr>
+            <a:picLocks noChangeAspect="1" noChangeArrowheads="1"/>
+          </p:cNvPicPr>
+          <p:nvPr/>
+        </p:nvPicPr>
+        <p:blipFill>
+          <a:blip r:embed="rId3">
+            <a:extLst>
+              <a:ext uri="{28A0092B-C50C-407E-A947-70E740481C1C}">
+                <a14:useLocalDpi xmlns:a14="http://schemas.microsoft.com/office/drawing/2010/main" val="0"/>
+              </a:ext>
+            </a:extLst>
+          </a:blip>
+          <a:srcRect/>
+          <a:stretch>
+            <a:fillRect/>
+          </a:stretch>
+        </p:blipFill>
+        <p:spPr bwMode="auto">
+          <a:xfrm>
+            <a:off x="5181600" y="1603022"/>
+            <a:ext cx="3048000" cy="2286001"/>
+          </a:xfrm>
+          <a:prstGeom prst="rect">
+            <a:avLst/>
+          </a:prstGeom>
+          <a:noFill/>
+          <a:extLst>
+            <a:ext uri="{909E8E84-426E-40DD-AFC4-6F175D3DCCD1}">
+              <a14:hiddenFill xmlns:a14="http://schemas.microsoft.com/office/drawing/2010/main">
+                <a:solidFill>
+                  <a:srgbClr val="FFFFFF"/>
+                </a:solidFill>
+              </a14:hiddenFill>
+            </a:ext>
+          </a:extLst>
+        </p:spPr>
+      </p:pic>
+      <p:sp>
+        <p:nvSpPr>
+          <p:cNvPr id="5" name="TextBox 4"/>
+          <p:cNvSpPr txBox="1"/>
+          <p:nvPr/>
+        </p:nvSpPr>
+        <p:spPr>
+          <a:xfrm>
+            <a:off x="5655733" y="3916234"/>
+            <a:ext cx="3048000" cy="246221"/>
+          </a:xfrm>
+          <a:prstGeom prst="rect">
+            <a:avLst/>
+          </a:prstGeom>
+          <a:noFill/>
+        </p:spPr>
+        <p:txBody>
+          <a:bodyPr wrap="square" rtlCol="0">
+            <a:spAutoFit/>
+          </a:bodyPr>
+          <a:lstStyle/>
+          <a:p>
+            <a:r>
+              <a:rPr lang="en-US" sz="1000" dirty="0"/>
+              <a:t>http://wirednewyork.com/bridges/hell_gate_bridge/</a:t>
+            </a:r>
+          </a:p>
+        </p:txBody>
+      </p:sp>
+      <p:pic>
+        <p:nvPicPr>
+          <p:cNvPr id="11270" name="Picture 6" descr="The Bridge HD Wallpaper"/>
+          <p:cNvPicPr>
+            <a:picLocks noChangeAspect="1" noChangeArrowheads="1"/>
+          </p:cNvPicPr>
+          <p:nvPr/>
+        </p:nvPicPr>
+        <p:blipFill>
+          <a:blip r:embed="rId4">
+            <a:extLst>
+              <a:ext uri="{28A0092B-C50C-407E-A947-70E740481C1C}">
+                <a14:useLocalDpi xmlns:a14="http://schemas.microsoft.com/office/drawing/2010/main" val="0"/>
+              </a:ext>
+            </a:extLst>
+          </a:blip>
+          <a:srcRect/>
+          <a:stretch>
+            <a:fillRect/>
+          </a:stretch>
+        </p:blipFill>
+        <p:spPr bwMode="auto">
+          <a:xfrm>
+            <a:off x="846667" y="4362510"/>
+            <a:ext cx="3505200" cy="1973580"/>
+          </a:xfrm>
+          <a:prstGeom prst="rect">
+            <a:avLst/>
+          </a:prstGeom>
+          <a:noFill/>
+          <a:extLst>
+            <a:ext uri="{909E8E84-426E-40DD-AFC4-6F175D3DCCD1}">
+              <a14:hiddenFill xmlns:a14="http://schemas.microsoft.com/office/drawing/2010/main">
+                <a:solidFill>
+                  <a:srgbClr val="FFFFFF"/>
+                </a:solidFill>
+              </a14:hiddenFill>
+            </a:ext>
+          </a:extLst>
+        </p:spPr>
+      </p:pic>
+      <p:sp>
+        <p:nvSpPr>
+          <p:cNvPr id="6" name="TextBox 5"/>
+          <p:cNvSpPr txBox="1"/>
+          <p:nvPr/>
+        </p:nvSpPr>
+        <p:spPr>
+          <a:xfrm>
+            <a:off x="457200" y="6553200"/>
+            <a:ext cx="3886200" cy="246221"/>
+          </a:xfrm>
+          <a:prstGeom prst="rect">
+            <a:avLst/>
+          </a:prstGeom>
+          <a:noFill/>
+        </p:spPr>
+        <p:txBody>
+          <a:bodyPr wrap="square" rtlCol="0">
+            <a:spAutoFit/>
+          </a:bodyPr>
+          <a:lstStyle/>
+          <a:p>
+            <a:r>
+              <a:rPr lang="en-US" sz="1000" dirty="0"/>
+              <a:t>http://www.themebin.com/hd-wallpapers/bridge-hd-wallpaper-5/</a:t>
+            </a:r>
+          </a:p>
+        </p:txBody>
+      </p:sp>
+      <p:pic>
+        <p:nvPicPr>
+          <p:cNvPr id="11272" name="Picture 8" descr="File:Gaoliang Bridge.JPG"/>
+          <p:cNvPicPr>
+            <a:picLocks noChangeAspect="1" noChangeArrowheads="1"/>
+          </p:cNvPicPr>
+          <p:nvPr/>
+        </p:nvPicPr>
+        <p:blipFill>
+          <a:blip r:embed="rId5" cstate="print">
+            <a:extLst>
+              <a:ext uri="{28A0092B-C50C-407E-A947-70E740481C1C}">
+                <a14:useLocalDpi xmlns:a14="http://schemas.microsoft.com/office/drawing/2010/main" val="0"/>
+              </a:ext>
+            </a:extLst>
+          </a:blip>
+          <a:srcRect/>
+          <a:stretch>
+            <a:fillRect/>
+          </a:stretch>
+        </p:blipFill>
+        <p:spPr bwMode="auto">
+          <a:xfrm>
+            <a:off x="5105400" y="4179388"/>
+            <a:ext cx="2988733" cy="2241550"/>
+          </a:xfrm>
+          <a:prstGeom prst="rect">
+            <a:avLst/>
+          </a:prstGeom>
+          <a:noFill/>
+          <a:extLst>
+            <a:ext uri="{909E8E84-426E-40DD-AFC4-6F175D3DCCD1}">
+              <a14:hiddenFill xmlns:a14="http://schemas.microsoft.com/office/drawing/2010/main">
+                <a:solidFill>
+                  <a:srgbClr val="FFFFFF"/>
+                </a:solidFill>
+              </a14:hiddenFill>
+            </a:ext>
+          </a:extLst>
+        </p:spPr>
+      </p:pic>
+      <p:sp>
+        <p:nvSpPr>
+          <p:cNvPr id="7" name="TextBox 6"/>
+          <p:cNvSpPr txBox="1"/>
+          <p:nvPr/>
+        </p:nvSpPr>
+        <p:spPr>
+          <a:xfrm>
+            <a:off x="5562600" y="6553200"/>
+            <a:ext cx="3352800" cy="246221"/>
+          </a:xfrm>
+          <a:prstGeom prst="rect">
+            <a:avLst/>
+          </a:prstGeom>
+          <a:noFill/>
+        </p:spPr>
+        <p:txBody>
+          <a:bodyPr wrap="square" rtlCol="0">
+            <a:spAutoFit/>
+          </a:bodyPr>
+          <a:lstStyle/>
+          <a:p>
+            <a:r>
+              <a:rPr lang="en-US" sz="1000" dirty="0"/>
+              <a:t>http://en.wikipedia.org/wiki/File:Gaoliang_Bridge.JPG</a:t>
+            </a:r>
+          </a:p>
+        </p:txBody>
+      </p:sp>
     </p:spTree>
+    <p:extLst>
+      <p:ext uri="{BB962C8B-B14F-4D97-AF65-F5344CB8AC3E}">
+        <p14:creationId xmlns:p14="http://schemas.microsoft.com/office/powerpoint/2010/main" val="3398385632"/>
+      </p:ext>
+    </p:extLst>
   </p:cSld>
   <p:clrMapOvr>
     <a:masterClrMapping/>
@@ -4646,48 +4696,49 @@
           <a:lstStyle/>
           <a:p>
             <a:r>
+              <a:rPr lang="en-US" dirty="0"/>
+              <a:t>… </a:t>
+            </a:r>
+            <a:r>
               <a:rPr lang="en-US" dirty="0" smtClean="0"/>
-              <a:t>Some are works of art</a:t>
-            </a:r>
+              <a:t>and so do </a:t>
+            </a:r>
+            <a:r>
+              <a:rPr lang="en-US" dirty="0"/>
+              <a:t>proofs</a:t>
+            </a:r>
+          </a:p>
+        </p:txBody>
+      </p:sp>
+      <p:sp>
+        <p:nvSpPr>
+          <p:cNvPr id="3" name="Content Placeholder 2"/>
+          <p:cNvSpPr>
+            <a:spLocks noGrp="1"/>
+          </p:cNvSpPr>
+          <p:nvPr>
+            <p:ph idx="1"/>
+          </p:nvPr>
+        </p:nvSpPr>
+        <p:spPr/>
+        <p:txBody>
+          <a:bodyPr/>
+          <a:lstStyle/>
+          <a:p>
             <a:endParaRPr lang="en-US" dirty="0"/>
-          </a:p>
-        </p:txBody>
-      </p:sp>
-      <p:sp>
-        <p:nvSpPr>
-          <p:cNvPr id="3" name="Content Placeholder 2"/>
-          <p:cNvSpPr>
-            <a:spLocks noGrp="1"/>
-          </p:cNvSpPr>
-          <p:nvPr>
-            <p:ph idx="1"/>
-          </p:nvPr>
-        </p:nvSpPr>
-        <p:spPr/>
-        <p:txBody>
-          <a:bodyPr/>
-          <a:lstStyle/>
-          <a:p>
-            <a:endParaRPr lang="en-US"/>
           </a:p>
         </p:txBody>
       </p:sp>
       <p:pic>
         <p:nvPicPr>
-          <p:cNvPr id="12290" name="Picture 2" descr="millau-viaduct-9"/>
+          <p:cNvPr id="1026" name="Picture 2" descr="http://a.abcnews.com/images/Technology/songdo-bridge_080528_ssh.jpg"/>
           <p:cNvPicPr>
             <a:picLocks noChangeAspect="1" noChangeArrowheads="1"/>
           </p:cNvPicPr>
           <p:nvPr/>
         </p:nvPicPr>
         <p:blipFill>
-          <a:blip r:embed="rId2">
-            <a:extLst>
-              <a:ext uri="{28A0092B-C50C-407E-A947-70E740481C1C}">
-                <a14:useLocalDpi xmlns:a14="http://schemas.microsoft.com/office/drawing/2010/main" val="0"/>
-              </a:ext>
-            </a:extLst>
-          </a:blip>
+          <a:blip r:embed="rId2" cstate="print"/>
           <a:srcRect/>
           <a:stretch>
             <a:fillRect/>
@@ -4695,59 +4746,16 @@
         </p:blipFill>
         <p:spPr bwMode="auto">
           <a:xfrm>
-            <a:off x="838200" y="1371600"/>
-            <a:ext cx="7524750" cy="4705351"/>
+            <a:off x="1981200" y="2057400"/>
+            <a:ext cx="5057775" cy="3581400"/>
           </a:xfrm>
           <a:prstGeom prst="rect">
             <a:avLst/>
           </a:prstGeom>
           <a:noFill/>
-          <a:extLst>
-            <a:ext uri="{909E8E84-426E-40DD-AFC4-6F175D3DCCD1}">
-              <a14:hiddenFill xmlns:a14="http://schemas.microsoft.com/office/drawing/2010/main">
-                <a:solidFill>
-                  <a:srgbClr val="FFFFFF"/>
-                </a:solidFill>
-              </a14:hiddenFill>
-            </a:ext>
-          </a:extLst>
         </p:spPr>
       </p:pic>
-      <p:sp>
-        <p:nvSpPr>
-          <p:cNvPr id="4" name="TextBox 3"/>
-          <p:cNvSpPr txBox="1"/>
-          <p:nvPr/>
-        </p:nvSpPr>
-        <p:spPr>
-          <a:xfrm>
-            <a:off x="533400" y="6324600"/>
-            <a:ext cx="8229600" cy="369332"/>
-          </a:xfrm>
-          <a:prstGeom prst="rect">
-            <a:avLst/>
-          </a:prstGeom>
-          <a:noFill/>
-        </p:spPr>
-        <p:txBody>
-          <a:bodyPr wrap="square" rtlCol="0">
-            <a:spAutoFit/>
-          </a:bodyPr>
-          <a:lstStyle/>
-          <a:p>
-            <a:r>
-              <a:rPr lang="en-US" dirty="0"/>
-              <a:t>http://www.amusingplanet.com/2012/03/millau-viaduct-france-tallest-bridge-in.html</a:t>
-            </a:r>
-          </a:p>
-        </p:txBody>
-      </p:sp>
     </p:spTree>
-    <p:extLst>
-      <p:ext uri="{BB962C8B-B14F-4D97-AF65-F5344CB8AC3E}">
-        <p14:creationId xmlns:p14="http://schemas.microsoft.com/office/powerpoint/2010/main" val="2291344953"/>
-      </p:ext>
-    </p:extLst>
   </p:cSld>
   <p:clrMapOvr>
     <a:masterClrMapping/>
@@ -5117,6 +5125,155 @@
         </p:nvSpPr>
         <p:spPr/>
         <p:txBody>
+          <a:bodyPr/>
+          <a:lstStyle/>
+          <a:p>
+            <a:r>
+              <a:rPr lang="en-US" dirty="0" smtClean="0"/>
+              <a:t>Some are works of art</a:t>
+            </a:r>
+            <a:endParaRPr lang="en-US" dirty="0"/>
+          </a:p>
+        </p:txBody>
+      </p:sp>
+      <p:sp>
+        <p:nvSpPr>
+          <p:cNvPr id="3" name="Content Placeholder 2"/>
+          <p:cNvSpPr>
+            <a:spLocks noGrp="1"/>
+          </p:cNvSpPr>
+          <p:nvPr>
+            <p:ph idx="1"/>
+          </p:nvPr>
+        </p:nvSpPr>
+        <p:spPr/>
+        <p:txBody>
+          <a:bodyPr/>
+          <a:lstStyle/>
+          <a:p>
+            <a:endParaRPr lang="en-US"/>
+          </a:p>
+        </p:txBody>
+      </p:sp>
+      <p:pic>
+        <p:nvPicPr>
+          <p:cNvPr id="12290" name="Picture 2" descr="millau-viaduct-9"/>
+          <p:cNvPicPr>
+            <a:picLocks noChangeAspect="1" noChangeArrowheads="1"/>
+          </p:cNvPicPr>
+          <p:nvPr/>
+        </p:nvPicPr>
+        <p:blipFill>
+          <a:blip r:embed="rId2">
+            <a:extLst>
+              <a:ext uri="{28A0092B-C50C-407E-A947-70E740481C1C}">
+                <a14:useLocalDpi xmlns:a14="http://schemas.microsoft.com/office/drawing/2010/main" val="0"/>
+              </a:ext>
+            </a:extLst>
+          </a:blip>
+          <a:srcRect/>
+          <a:stretch>
+            <a:fillRect/>
+          </a:stretch>
+        </p:blipFill>
+        <p:spPr bwMode="auto">
+          <a:xfrm>
+            <a:off x="838200" y="1371600"/>
+            <a:ext cx="7524750" cy="4705351"/>
+          </a:xfrm>
+          <a:prstGeom prst="rect">
+            <a:avLst/>
+          </a:prstGeom>
+          <a:noFill/>
+          <a:extLst>
+            <a:ext uri="{909E8E84-426E-40DD-AFC4-6F175D3DCCD1}">
+              <a14:hiddenFill xmlns:a14="http://schemas.microsoft.com/office/drawing/2010/main">
+                <a:solidFill>
+                  <a:srgbClr val="FFFFFF"/>
+                </a:solidFill>
+              </a14:hiddenFill>
+            </a:ext>
+          </a:extLst>
+        </p:spPr>
+      </p:pic>
+      <p:sp>
+        <p:nvSpPr>
+          <p:cNvPr id="4" name="TextBox 3"/>
+          <p:cNvSpPr txBox="1"/>
+          <p:nvPr/>
+        </p:nvSpPr>
+        <p:spPr>
+          <a:xfrm>
+            <a:off x="533400" y="6324600"/>
+            <a:ext cx="8229600" cy="369332"/>
+          </a:xfrm>
+          <a:prstGeom prst="rect">
+            <a:avLst/>
+          </a:prstGeom>
+          <a:noFill/>
+        </p:spPr>
+        <p:txBody>
+          <a:bodyPr wrap="square" rtlCol="0">
+            <a:spAutoFit/>
+          </a:bodyPr>
+          <a:lstStyle/>
+          <a:p>
+            <a:r>
+              <a:rPr lang="en-US" dirty="0"/>
+              <a:t>http://www.amusingplanet.com/2012/03/millau-viaduct-france-tallest-bridge-in.html</a:t>
+            </a:r>
+          </a:p>
+        </p:txBody>
+      </p:sp>
+    </p:spTree>
+    <p:extLst>
+      <p:ext uri="{BB962C8B-B14F-4D97-AF65-F5344CB8AC3E}">
+        <p14:creationId xmlns:p14="http://schemas.microsoft.com/office/powerpoint/2010/main" val="2291344953"/>
+      </p:ext>
+    </p:extLst>
+  </p:cSld>
+  <p:clrMapOvr>
+    <a:masterClrMapping/>
+  </p:clrMapOvr>
+  <p:timing>
+    <p:tnLst>
+      <p:par>
+        <p:cTn id="1" dur="indefinite" restart="never" nodeType="tmRoot"/>
+      </p:par>
+    </p:tnLst>
+  </p:timing>
+</p:sld>
+</file>
+
+<file path=ppt/slides/slide21.xml><?xml version="1.0" encoding="utf-8"?>
+<p:sld xmlns:a="http://schemas.openxmlformats.org/drawingml/2006/main" xmlns:r="http://schemas.openxmlformats.org/officeDocument/2006/relationships" xmlns:p="http://schemas.openxmlformats.org/presentationml/2006/main">
+  <p:cSld>
+    <p:spTree>
+      <p:nvGrpSpPr>
+        <p:cNvPr id="1" name=""/>
+        <p:cNvGrpSpPr/>
+        <p:nvPr/>
+      </p:nvGrpSpPr>
+      <p:grpSpPr>
+        <a:xfrm>
+          <a:off x="0" y="0"/>
+          <a:ext cx="0" cy="0"/>
+          <a:chOff x="0" y="0"/>
+          <a:chExt cx="0" cy="0"/>
+        </a:xfrm>
+      </p:grpSpPr>
+      <p:sp>
+        <p:nvSpPr>
+          <p:cNvPr id="2" name="Title 1"/>
+          <p:cNvSpPr>
+            <a:spLocks noGrp="1"/>
+          </p:cNvSpPr>
+          <p:nvPr>
+            <p:ph type="title"/>
+          </p:nvPr>
+        </p:nvSpPr>
+        <p:spPr/>
+        <p:txBody>
           <a:bodyPr>
             <a:normAutofit fontScale="90000"/>
           </a:bodyPr>
@@ -5297,7 +5454,11 @@
           <a:p>
             <a:r>
               <a:rPr lang="en-US" dirty="0" smtClean="0"/>
-              <a:t>This is a bridge</a:t>
+              <a:t>This is a </a:t>
+            </a:r>
+            <a:r>
+              <a:rPr lang="en-US" dirty="0" smtClean="0"/>
+              <a:t>solid bridge</a:t>
             </a:r>
             <a:endParaRPr lang="en-US" dirty="0"/>
           </a:p>
@@ -5962,12 +6123,18 @@
         </p:nvSpPr>
         <p:spPr/>
         <p:txBody>
-          <a:bodyPr/>
+          <a:bodyPr>
+            <a:normAutofit fontScale="90000"/>
+          </a:bodyPr>
           <a:lstStyle/>
           <a:p>
             <a:r>
               <a:rPr lang="en-US" dirty="0" smtClean="0"/>
-              <a:t>This is a start, but not a bridge</a:t>
+              <a:t>This is a start, but not </a:t>
+            </a:r>
+            <a:r>
+              <a:rPr lang="en-US" dirty="0" smtClean="0"/>
+              <a:t>the kind of bridge we would want to use</a:t>
             </a:r>
             <a:endParaRPr lang="en-US" dirty="0"/>
           </a:p>
